--- a/Slides/auto_apresentacao.pptx
+++ b/Slides/auto_apresentacao.pptx
@@ -3188,7 +3188,21 @@
         <p:txBody>
           <a:bodyPr/>
           <a:lstStyle/>
-          <a:p/>
+          <a:p>
+            <a:r>
+              <a:t>Breve descrição da IA</a:t>
+            </a:r>
+          </a:p>
+          <a:p>
+            <a:r>
+              <a:t>Exemplos de aplicações da IA (assistente virtual, carros autônomos, reconhecimento facial, etc.)</a:t>
+            </a:r>
+          </a:p>
+          <a:p>
+            <a:r>
+              <a:t>Citação sobre a importância da IA na atualidade</a:t>
+            </a:r>
+          </a:p>
         </p:txBody>
       </p:sp>
     </p:spTree>
@@ -3244,9 +3258,55 @@
         <p:txBody>
           <a:bodyPr/>
           <a:lstStyle/>
-          <a:p/>
-        </p:txBody>
-      </p:sp>
+          <a:p>
+            <a:r>
+              <a:t>Explicação básica do funcionamento da IA:</a:t>
+            </a:r>
+          </a:p>
+          <a:p>
+            <a:pPr lvl="1"/>
+            <a:r>
+              <a:t>Redes neurais artificiais</a:t>
+            </a:r>
+          </a:p>
+          <a:p>
+            <a:pPr lvl="1"/>
+            <a:r>
+              <a:t>Algoritmos de aprendizado de máquina</a:t>
+            </a:r>
+          </a:p>
+          <a:p>
+            <a:pPr lvl="1"/>
+            <a:r>
+              <a:t>Processamento de dados</a:t>
+            </a:r>
+          </a:p>
+        </p:txBody>
+      </p:sp>
+      <p:pic>
+        <p:nvPicPr>
+          <p:cNvPr id="4" name="Picture 3" descr="ia.jpg"/>
+          <p:cNvPicPr>
+            <a:picLocks noChangeAspect="1"/>
+          </p:cNvPicPr>
+          <p:nvPr/>
+        </p:nvPicPr>
+        <p:blipFill>
+          <a:blip r:embed="rId2"/>
+          <a:stretch>
+            <a:fillRect/>
+          </a:stretch>
+        </p:blipFill>
+        <p:spPr>
+          <a:xfrm>
+            <a:off x="2743200" y="4114800"/>
+            <a:ext cx="3810000" cy="2120900"/>
+          </a:xfrm>
+          <a:prstGeom prst="rect">
+            <a:avLst/>
+          </a:prstGeom>
+        </p:spPr>
+      </p:pic>
     </p:spTree>
   </p:cSld>
   <p:clrMapOvr>
@@ -3300,7 +3360,52 @@
         <p:txBody>
           <a:bodyPr/>
           <a:lstStyle/>
-          <a:p/>
+          <a:p>
+            <a:r>
+              <a:t>Listagem dos principais benefícios da IA:</a:t>
+            </a:r>
+          </a:p>
+          <a:p>
+            <a:pPr lvl="1"/>
+            <a:r>
+              <a:t>Automação de tarefas</a:t>
+            </a:r>
+          </a:p>
+          <a:p>
+            <a:pPr lvl="1"/>
+            <a:r>
+              <a:t>Melhoria da eficiência</a:t>
+            </a:r>
+          </a:p>
+          <a:p>
+            <a:pPr lvl="1"/>
+            <a:r>
+              <a:t>Previsões precisas</a:t>
+            </a:r>
+          </a:p>
+          <a:p>
+            <a:r>
+              <a:t>Destaque para os desafios:</a:t>
+            </a:r>
+          </a:p>
+          <a:p>
+            <a:pPr lvl="1"/>
+            <a:r>
+              <a:t>Privacidade</a:t>
+            </a:r>
+          </a:p>
+          <a:p>
+            <a:pPr lvl="1"/>
+            <a:r>
+              <a:t>Ética</a:t>
+            </a:r>
+          </a:p>
+          <a:p>
+            <a:pPr lvl="1"/>
+            <a:r>
+              <a:t>Impactos no mercado de trabalho</a:t>
+            </a:r>
+          </a:p>
         </p:txBody>
       </p:sp>
     </p:spTree>
@@ -3356,7 +3461,29 @@
         <p:txBody>
           <a:bodyPr/>
           <a:lstStyle/>
-          <a:p/>
+          <a:p>
+            <a:r>
+              <a:t>Perspectivas para o futuro da IA:</a:t>
+            </a:r>
+          </a:p>
+          <a:p>
+            <a:pPr lvl="1"/>
+            <a:r>
+              <a:t>Avanços tecnológicos</a:t>
+            </a:r>
+          </a:p>
+          <a:p>
+            <a:pPr lvl="1"/>
+            <a:r>
+              <a:t>Aplicações em áreas diversas</a:t>
+            </a:r>
+          </a:p>
+          <a:p>
+            <a:pPr lvl="1"/>
+            <a:r>
+              <a:t>Impacto na sociedade e economia</a:t>
+            </a:r>
+          </a:p>
         </p:txBody>
       </p:sp>
     </p:spTree>
@@ -3412,7 +3539,21 @@
         <p:txBody>
           <a:bodyPr/>
           <a:lstStyle/>
-          <a:p/>
+          <a:p>
+            <a:r>
+              <a:t>Recapitulação dos pontos-chave abordados</a:t>
+            </a:r>
+          </a:p>
+          <a:p>
+            <a:r>
+              <a:t>Ênfase na importância e impacto da IA em nosso cotidiano</a:t>
+            </a:r>
+          </a:p>
+          <a:p>
+            <a:r>
+              <a:t>Convite para perguntas e discussões sobre o tema</a:t>
+            </a:r>
+          </a:p>
         </p:txBody>
       </p:sp>
     </p:spTree>

--- a/Slides/auto_apresentacao.pptx
+++ b/Slides/auto_apresentacao.pptx
@@ -3195,7 +3195,25 @@
           </a:p>
           <a:p>
             <a:r>
-              <a:t>Exemplos de aplicações da IA (assistente virtual, carros autônomos, reconhecimento facial, etc.)</a:t>
+              <a:t>Exemplos de aplicações da IA:</a:t>
+            </a:r>
+          </a:p>
+          <a:p>
+            <a:pPr lvl="1"/>
+            <a:r>
+              <a:t>Assistente virtual</a:t>
+            </a:r>
+          </a:p>
+          <a:p>
+            <a:pPr lvl="1"/>
+            <a:r>
+              <a:t>Carros autônomos</a:t>
+            </a:r>
+          </a:p>
+          <a:p>
+            <a:pPr lvl="1"/>
+            <a:r>
+              <a:t>Reconhecimento facial</a:t>
             </a:r>
           </a:p>
           <a:p>

--- a/Slides/auto_apresentacao.pptx
+++ b/Slides/auto_apresentacao.pptx
@@ -3303,7 +3303,7 @@
       </p:sp>
       <p:pic>
         <p:nvPicPr>
-          <p:cNvPr id="4" name="Picture 3" descr="ia.jpg"/>
+          <p:cNvPr id="4" name="Picture 3" descr="imagem_url.jpeg"/>
           <p:cNvPicPr>
             <a:picLocks noChangeAspect="1"/>
           </p:cNvPicPr>
@@ -3318,7 +3318,7 @@
         <p:spPr>
           <a:xfrm>
             <a:off x="2743200" y="4114800"/>
-            <a:ext cx="3810000" cy="2120900"/>
+            <a:ext cx="3810000" cy="2540000"/>
           </a:xfrm>
           <a:prstGeom prst="rect">
             <a:avLst/>

--- a/Slides/auto_apresentacao.pptx
+++ b/Slides/auto_apresentacao.pptx
@@ -3109,7 +3109,7 @@
           <a:lstStyle/>
           <a:p>
             <a:r>
-              <a:t>Introdução à Inteligência Artificial</a:t>
+              <a:t>Autor: Luiz Carlos de Lemos IA</a:t>
             </a:r>
           </a:p>
         </p:txBody>
@@ -3128,11 +3128,7 @@
         <p:txBody>
           <a:bodyPr/>
           <a:lstStyle/>
-          <a:p>
-            <a:r>
-              <a:t>- Autor: Luiz Carlos de Lemos IA</a:t>
-            </a:r>
-          </a:p>
+          <a:p/>
         </p:txBody>
       </p:sp>
     </p:spTree>
@@ -3169,7 +3165,7 @@
           <a:lstStyle/>
           <a:p>
             <a:r>
-              <a:t>O que é Inteligência Artificial?</a:t>
+              <a:t>2: O que é Inteligência Artificial?</a:t>
             </a:r>
           </a:p>
         </p:txBody>
@@ -3257,7 +3253,7 @@
           <a:lstStyle/>
           <a:p>
             <a:r>
-              <a:t>Como funciona a Inteligência Artificial?</a:t>
+              <a:t>3: Como funciona a Inteligência Artificial?</a:t>
             </a:r>
           </a:p>
         </p:txBody>
@@ -3299,32 +3295,13 @@
               <a:t>Processamento de dados</a:t>
             </a:r>
           </a:p>
-        </p:txBody>
-      </p:sp>
-      <p:pic>
-        <p:nvPicPr>
-          <p:cNvPr id="4" name="Picture 3" descr="imagem_url.jpeg"/>
-          <p:cNvPicPr>
-            <a:picLocks noChangeAspect="1"/>
-          </p:cNvPicPr>
-          <p:nvPr/>
-        </p:nvPicPr>
-        <p:blipFill>
-          <a:blip r:embed="rId2"/>
-          <a:stretch>
-            <a:fillRect/>
-          </a:stretch>
-        </p:blipFill>
-        <p:spPr>
-          <a:xfrm>
-            <a:off x="2743200" y="4114800"/>
-            <a:ext cx="3810000" cy="2540000"/>
-          </a:xfrm>
-          <a:prstGeom prst="rect">
-            <a:avLst/>
-          </a:prstGeom>
-        </p:spPr>
-      </p:pic>
+          <a:p>
+            <a:r>
+              <a:t>Depois colocar ilustrativa para auxiliar na explicação</a:t>
+            </a:r>
+          </a:p>
+        </p:txBody>
+      </p:sp>
     </p:spTree>
   </p:cSld>
   <p:clrMapOvr>
@@ -3359,7 +3336,7 @@
           <a:lstStyle/>
           <a:p>
             <a:r>
-              <a:t>Benefícios e Desafios da Inteligência Artificial</a:t>
+              <a:t>4: Benefícios e Desafios da Inteligência Artificial</a:t>
             </a:r>
           </a:p>
         </p:txBody>
@@ -3460,7 +3437,7 @@
           <a:lstStyle/>
           <a:p>
             <a:r>
-              <a:t>Futuro da Inteligência Artificial</a:t>
+              <a:t>5: Futuro da Inteligência Artificial</a:t>
             </a:r>
           </a:p>
         </p:txBody>
@@ -3538,7 +3515,7 @@
           <a:lstStyle/>
           <a:p>
             <a:r>
-              <a:t>Conclusão</a:t>
+              <a:t>6: Conclusão</a:t>
             </a:r>
           </a:p>
         </p:txBody>

--- a/Slides/auto_apresentacao.pptx
+++ b/Slides/auto_apresentacao.pptx
@@ -3109,7 +3109,7 @@
           <a:lstStyle/>
           <a:p>
             <a:r>
-              <a:t>Autor: Luiz Carlos de Lemos IA</a:t>
+              <a:t>Introdução à Inteligência Artificial</a:t>
             </a:r>
           </a:p>
         </p:txBody>
@@ -3128,7 +3128,11 @@
         <p:txBody>
           <a:bodyPr/>
           <a:lstStyle/>
-          <a:p/>
+          <a:p>
+            <a:r>
+              <a:t>- Autor: Luiz Carlos de Lemos IA</a:t>
+            </a:r>
+          </a:p>
         </p:txBody>
       </p:sp>
     </p:spTree>
@@ -3165,7 +3169,7 @@
           <a:lstStyle/>
           <a:p>
             <a:r>
-              <a:t>2: O que é Inteligência Artificial?</a:t>
+              <a:t>1: O que é Inteligência Artificial?</a:t>
             </a:r>
           </a:p>
         </p:txBody>
@@ -3253,7 +3257,7 @@
           <a:lstStyle/>
           <a:p>
             <a:r>
-              <a:t>3: Como funciona a Inteligência Artificial?</a:t>
+              <a:t>2: Como funciona a Inteligência Artificial?</a:t>
             </a:r>
           </a:p>
         </p:txBody>
@@ -3295,13 +3299,32 @@
               <a:t>Processamento de dados</a:t>
             </a:r>
           </a:p>
-          <a:p>
-            <a:r>
-              <a:t>Depois colocar ilustrativa para auxiliar na explicação</a:t>
-            </a:r>
-          </a:p>
-        </p:txBody>
-      </p:sp>
+        </p:txBody>
+      </p:sp>
+      <p:pic>
+        <p:nvPicPr>
+          <p:cNvPr id="4" name="Picture 3" descr="imagem_url.jpeg"/>
+          <p:cNvPicPr>
+            <a:picLocks noChangeAspect="1"/>
+          </p:cNvPicPr>
+          <p:nvPr/>
+        </p:nvPicPr>
+        <p:blipFill>
+          <a:blip r:embed="rId2"/>
+          <a:stretch>
+            <a:fillRect/>
+          </a:stretch>
+        </p:blipFill>
+        <p:spPr>
+          <a:xfrm>
+            <a:off x="2743200" y="4114800"/>
+            <a:ext cx="3810000" cy="2540000"/>
+          </a:xfrm>
+          <a:prstGeom prst="rect">
+            <a:avLst/>
+          </a:prstGeom>
+        </p:spPr>
+      </p:pic>
     </p:spTree>
   </p:cSld>
   <p:clrMapOvr>
@@ -3336,7 +3359,7 @@
           <a:lstStyle/>
           <a:p>
             <a:r>
-              <a:t>4: Benefícios e Desafios da Inteligência Artificial</a:t>
+              <a:t>3: Benefícios e Desafios da Inteligência Artificial</a:t>
             </a:r>
           </a:p>
         </p:txBody>
@@ -3437,7 +3460,7 @@
           <a:lstStyle/>
           <a:p>
             <a:r>
-              <a:t>5: Futuro da Inteligência Artificial</a:t>
+              <a:t>4: Futuro da Inteligência Artificial</a:t>
             </a:r>
           </a:p>
         </p:txBody>
@@ -3515,7 +3538,7 @@
           <a:lstStyle/>
           <a:p>
             <a:r>
-              <a:t>6: Conclusão</a:t>
+              <a:t>5: Conclusão</a:t>
             </a:r>
           </a:p>
         </p:txBody>

--- a/Slides/auto_apresentacao.pptx
+++ b/Slides/auto_apresentacao.pptx
@@ -11,6 +11,14 @@
     <p:sldId id="259" r:id="rId10"/>
     <p:sldId id="260" r:id="rId11"/>
     <p:sldId id="261" r:id="rId12"/>
+    <p:sldId id="262" r:id="rId13"/>
+    <p:sldId id="263" r:id="rId14"/>
+    <p:sldId id="264" r:id="rId15"/>
+    <p:sldId id="265" r:id="rId16"/>
+    <p:sldId id="266" r:id="rId17"/>
+    <p:sldId id="267" r:id="rId18"/>
+    <p:sldId id="268" r:id="rId19"/>
+    <p:sldId id="269" r:id="rId20"/>
   </p:sldIdLst>
   <p:sldSz cx="9144000" cy="6858000" type="screen4x3"/>
   <p:notesSz cx="6858000" cy="9144000"/>
@@ -3109,7 +3117,7 @@
           <a:lstStyle/>
           <a:p>
             <a:r>
-              <a:t>Introdução à Inteligência Artificial</a:t>
+              <a:t>Compiladores</a:t>
             </a:r>
           </a:p>
         </p:txBody>
@@ -3130,7 +3138,7 @@
           <a:lstStyle/>
           <a:p>
             <a:r>
-              <a:t>- Autor: Luiz Carlos de Lemos IA</a:t>
+              <a:t>- Autor: Kézia Vasconcelos</a:t>
             </a:r>
           </a:p>
         </p:txBody>
@@ -3143,7 +3151,7 @@
 </p:sld>
 </file>
 
-<file path=ppt/slides/slide2.xml><?xml version="1.0" encoding="utf-8"?>
+<file path=ppt/slides/slide10.xml><?xml version="1.0" encoding="utf-8"?>
 <p:sld xmlns:a="http://schemas.openxmlformats.org/drawingml/2006/main" xmlns:p="http://schemas.openxmlformats.org/presentationml/2006/main" xmlns:r="http://schemas.openxmlformats.org/officeDocument/2006/relationships">
   <p:cSld>
     <p:spTree>
@@ -3169,7 +3177,7 @@
           <a:lstStyle/>
           <a:p>
             <a:r>
-              <a:t>1: O que é Inteligência Artificial?</a:t>
+              <a:t>8: Linkagem</a:t>
             </a:r>
           </a:p>
         </p:txBody>
@@ -3190,120 +3198,31 @@
           <a:lstStyle/>
           <a:p>
             <a:r>
-              <a:t>Breve descrição da IA</a:t>
-            </a:r>
-          </a:p>
-          <a:p>
-            <a:r>
-              <a:t>Exemplos de aplicações da IA:</a:t>
+              <a:t>Definição</a:t>
             </a:r>
           </a:p>
           <a:p>
             <a:pPr lvl="1"/>
             <a:r>
-              <a:t>Assistente virtual</a:t>
+              <a:t>Combinação de diferentes módulos de código.</a:t>
+            </a:r>
+          </a:p>
+          <a:p>
+            <a:r>
+              <a:t>Tipos de Linkagem</a:t>
             </a:r>
           </a:p>
           <a:p>
             <a:pPr lvl="1"/>
             <a:r>
-              <a:t>Carros autônomos</a:t>
-            </a:r>
-          </a:p>
-          <a:p>
-            <a:pPr lvl="1"/>
-            <a:r>
-              <a:t>Reconhecimento facial</a:t>
-            </a:r>
-          </a:p>
-          <a:p>
-            <a:r>
-              <a:t>Citação sobre a importância da IA na atualidade</a:t>
-            </a:r>
-          </a:p>
-        </p:txBody>
-      </p:sp>
-    </p:spTree>
-  </p:cSld>
-  <p:clrMapOvr>
-    <a:masterClrMapping/>
-  </p:clrMapOvr>
-</p:sld>
-</file>
-
-<file path=ppt/slides/slide3.xml><?xml version="1.0" encoding="utf-8"?>
-<p:sld xmlns:a="http://schemas.openxmlformats.org/drawingml/2006/main" xmlns:p="http://schemas.openxmlformats.org/presentationml/2006/main" xmlns:r="http://schemas.openxmlformats.org/officeDocument/2006/relationships">
-  <p:cSld>
-    <p:spTree>
-      <p:nvGrpSpPr>
-        <p:cNvPr id="1" name=""/>
-        <p:cNvGrpSpPr/>
-        <p:nvPr/>
-      </p:nvGrpSpPr>
-      <p:grpSpPr/>
-      <p:sp>
-        <p:nvSpPr>
-          <p:cNvPr id="2" name="Title 1"/>
-          <p:cNvSpPr>
-            <a:spLocks noGrp="1"/>
-          </p:cNvSpPr>
-          <p:nvPr>
-            <p:ph type="title"/>
-          </p:nvPr>
-        </p:nvSpPr>
-        <p:spPr/>
-        <p:txBody>
-          <a:bodyPr/>
-          <a:lstStyle/>
-          <a:p>
-            <a:r>
-              <a:t>2: Como funciona a Inteligência Artificial?</a:t>
-            </a:r>
-          </a:p>
-        </p:txBody>
-      </p:sp>
-      <p:sp>
-        <p:nvSpPr>
-          <p:cNvPr id="3" name="Content Placeholder 2"/>
-          <p:cNvSpPr>
-            <a:spLocks noGrp="1"/>
-          </p:cNvSpPr>
-          <p:nvPr>
-            <p:ph idx="1"/>
-          </p:nvPr>
-        </p:nvSpPr>
-        <p:spPr/>
-        <p:txBody>
-          <a:bodyPr/>
-          <a:lstStyle/>
-          <a:p>
-            <a:r>
-              <a:t>Explicação básica do funcionamento da IA:</a:t>
-            </a:r>
-          </a:p>
-          <a:p>
-            <a:pPr lvl="1"/>
-            <a:r>
-              <a:t>Redes neurais artificiais</a:t>
-            </a:r>
-          </a:p>
-          <a:p>
-            <a:pPr lvl="1"/>
-            <a:r>
-              <a:t>Algoritmos de aprendizado de máquina</a:t>
-            </a:r>
-          </a:p>
-          <a:p>
-            <a:pPr lvl="1"/>
-            <a:r>
-              <a:t>Processamento de dados</a:t>
+              <a:t>Estática, Dinâmica.</a:t>
             </a:r>
           </a:p>
         </p:txBody>
       </p:sp>
       <p:pic>
         <p:nvPicPr>
-          <p:cNvPr id="4" name="Picture 3" descr="imagem_url.jpeg"/>
+          <p:cNvPr id="4" name="Picture 3" descr="imagem_url8.jpeg"/>
           <p:cNvPicPr>
             <a:picLocks noChangeAspect="1"/>
           </p:cNvPicPr>
@@ -3333,6 +3252,510 @@
 </p:sld>
 </file>
 
+<file path=ppt/slides/slide11.xml><?xml version="1.0" encoding="utf-8"?>
+<p:sld xmlns:a="http://schemas.openxmlformats.org/drawingml/2006/main" xmlns:p="http://schemas.openxmlformats.org/presentationml/2006/main" xmlns:r="http://schemas.openxmlformats.org/officeDocument/2006/relationships">
+  <p:cSld>
+    <p:spTree>
+      <p:nvGrpSpPr>
+        <p:cNvPr id="1" name=""/>
+        <p:cNvGrpSpPr/>
+        <p:nvPr/>
+      </p:nvGrpSpPr>
+      <p:grpSpPr/>
+      <p:sp>
+        <p:nvSpPr>
+          <p:cNvPr id="2" name="Title 1"/>
+          <p:cNvSpPr>
+            <a:spLocks noGrp="1"/>
+          </p:cNvSpPr>
+          <p:nvPr>
+            <p:ph type="title"/>
+          </p:nvPr>
+        </p:nvSpPr>
+        <p:spPr/>
+        <p:txBody>
+          <a:bodyPr/>
+          <a:lstStyle/>
+          <a:p>
+            <a:r>
+              <a:t>9: Compiladores Famosos</a:t>
+            </a:r>
+          </a:p>
+        </p:txBody>
+      </p:sp>
+      <p:sp>
+        <p:nvSpPr>
+          <p:cNvPr id="3" name="Content Placeholder 2"/>
+          <p:cNvSpPr>
+            <a:spLocks noGrp="1"/>
+          </p:cNvSpPr>
+          <p:nvPr>
+            <p:ph idx="1"/>
+          </p:nvPr>
+        </p:nvSpPr>
+        <p:spPr/>
+        <p:txBody>
+          <a:bodyPr/>
+          <a:lstStyle/>
+          <a:p>
+            <a:r>
+              <a:t>GCC (GNU Compiler Collection)</a:t>
+            </a:r>
+          </a:p>
+          <a:p>
+            <a:pPr lvl="1"/>
+            <a:r>
+              <a:t>Suporte para diversas linguagens como C, C++, Fortran.</a:t>
+            </a:r>
+          </a:p>
+          <a:p>
+            <a:r>
+              <a:t>Clang</a:t>
+            </a:r>
+          </a:p>
+          <a:p>
+            <a:pPr lvl="1"/>
+            <a:r>
+              <a:t>Parte do projeto LLVM, conhecida por sua modularidade e otimizações.</a:t>
+            </a:r>
+          </a:p>
+          <a:p>
+            <a:r>
+              <a:t>Java Compiler (javac)</a:t>
+            </a:r>
+          </a:p>
+          <a:p>
+            <a:pPr lvl="1"/>
+            <a:r>
+              <a:t>Compilador para a linguagem de programação Java.</a:t>
+            </a:r>
+          </a:p>
+        </p:txBody>
+      </p:sp>
+    </p:spTree>
+  </p:cSld>
+  <p:clrMapOvr>
+    <a:masterClrMapping/>
+  </p:clrMapOvr>
+</p:sld>
+</file>
+
+<file path=ppt/slides/slide12.xml><?xml version="1.0" encoding="utf-8"?>
+<p:sld xmlns:a="http://schemas.openxmlformats.org/drawingml/2006/main" xmlns:p="http://schemas.openxmlformats.org/presentationml/2006/main" xmlns:r="http://schemas.openxmlformats.org/officeDocument/2006/relationships">
+  <p:cSld>
+    <p:spTree>
+      <p:nvGrpSpPr>
+        <p:cNvPr id="1" name=""/>
+        <p:cNvGrpSpPr/>
+        <p:nvPr/>
+      </p:nvGrpSpPr>
+      <p:grpSpPr/>
+      <p:sp>
+        <p:nvSpPr>
+          <p:cNvPr id="2" name="Title 1"/>
+          <p:cNvSpPr>
+            <a:spLocks noGrp="1"/>
+          </p:cNvSpPr>
+          <p:nvPr>
+            <p:ph type="title"/>
+          </p:nvPr>
+        </p:nvSpPr>
+        <p:spPr/>
+        <p:txBody>
+          <a:bodyPr/>
+          <a:lstStyle/>
+          <a:p>
+            <a:r>
+              <a:t>10: Futuro dos Compiladores</a:t>
+            </a:r>
+          </a:p>
+        </p:txBody>
+      </p:sp>
+      <p:sp>
+        <p:nvSpPr>
+          <p:cNvPr id="3" name="Content Placeholder 2"/>
+          <p:cNvSpPr>
+            <a:spLocks noGrp="1"/>
+          </p:cNvSpPr>
+          <p:nvPr>
+            <p:ph idx="1"/>
+          </p:nvPr>
+        </p:nvSpPr>
+        <p:spPr/>
+        <p:txBody>
+          <a:bodyPr/>
+          <a:lstStyle/>
+          <a:p>
+            <a:r>
+              <a:t>Tendências</a:t>
+            </a:r>
+          </a:p>
+          <a:p>
+            <a:pPr lvl="1"/>
+            <a:r>
+              <a:t>Compiladores Just-In-Time (JIT)</a:t>
+            </a:r>
+          </a:p>
+          <a:p>
+            <a:pPr lvl="1"/>
+            <a:r>
+              <a:t>Compiladores para linguagens específicas de domínio (DSLs)</a:t>
+            </a:r>
+          </a:p>
+          <a:p>
+            <a:r>
+              <a:t>Desafios</a:t>
+            </a:r>
+          </a:p>
+          <a:p>
+            <a:pPr lvl="1"/>
+            <a:r>
+              <a:t>Suporte a novas arquiteturas de hardware</a:t>
+            </a:r>
+          </a:p>
+          <a:p>
+            <a:pPr lvl="1"/>
+            <a:r>
+              <a:t>Otimizações avançadas.</a:t>
+            </a:r>
+          </a:p>
+        </p:txBody>
+      </p:sp>
+    </p:spTree>
+  </p:cSld>
+  <p:clrMapOvr>
+    <a:masterClrMapping/>
+  </p:clrMapOvr>
+</p:sld>
+</file>
+
+<file path=ppt/slides/slide13.xml><?xml version="1.0" encoding="utf-8"?>
+<p:sld xmlns:a="http://schemas.openxmlformats.org/drawingml/2006/main" xmlns:p="http://schemas.openxmlformats.org/presentationml/2006/main" xmlns:r="http://schemas.openxmlformats.org/officeDocument/2006/relationships">
+  <p:cSld>
+    <p:spTree>
+      <p:nvGrpSpPr>
+        <p:cNvPr id="1" name=""/>
+        <p:cNvGrpSpPr/>
+        <p:nvPr/>
+      </p:nvGrpSpPr>
+      <p:grpSpPr/>
+      <p:sp>
+        <p:nvSpPr>
+          <p:cNvPr id="2" name="Title 1"/>
+          <p:cNvSpPr>
+            <a:spLocks noGrp="1"/>
+          </p:cNvSpPr>
+          <p:nvPr>
+            <p:ph type="title"/>
+          </p:nvPr>
+        </p:nvSpPr>
+        <p:spPr/>
+        <p:txBody>
+          <a:bodyPr/>
+          <a:lstStyle/>
+          <a:p>
+            <a:r>
+              <a:t>11: Conclusão</a:t>
+            </a:r>
+          </a:p>
+        </p:txBody>
+      </p:sp>
+      <p:sp>
+        <p:nvSpPr>
+          <p:cNvPr id="3" name="Content Placeholder 2"/>
+          <p:cNvSpPr>
+            <a:spLocks noGrp="1"/>
+          </p:cNvSpPr>
+          <p:nvPr>
+            <p:ph idx="1"/>
+          </p:nvPr>
+        </p:nvSpPr>
+        <p:spPr/>
+        <p:txBody>
+          <a:bodyPr/>
+          <a:lstStyle/>
+          <a:p>
+            <a:r>
+              <a:t>Recapitulação</a:t>
+            </a:r>
+          </a:p>
+          <a:p>
+            <a:pPr lvl="1"/>
+            <a:r>
+              <a:t>Importância dos compiladores no desenvolvimento de software.</a:t>
+            </a:r>
+          </a:p>
+          <a:p>
+            <a:r>
+              <a:t>Perspectivas</a:t>
+            </a:r>
+          </a:p>
+          <a:p>
+            <a:pPr lvl="1"/>
+            <a:r>
+              <a:t>Continuação da evolução dos compiladores para atender às novas demandas da indústria.</a:t>
+            </a:r>
+          </a:p>
+        </p:txBody>
+      </p:sp>
+    </p:spTree>
+  </p:cSld>
+  <p:clrMapOvr>
+    <a:masterClrMapping/>
+  </p:clrMapOvr>
+</p:sld>
+</file>
+
+<file path=ppt/slides/slide14.xml><?xml version="1.0" encoding="utf-8"?>
+<p:sld xmlns:a="http://schemas.openxmlformats.org/drawingml/2006/main" xmlns:p="http://schemas.openxmlformats.org/presentationml/2006/main" xmlns:r="http://schemas.openxmlformats.org/officeDocument/2006/relationships">
+  <p:cSld>
+    <p:spTree>
+      <p:nvGrpSpPr>
+        <p:cNvPr id="1" name=""/>
+        <p:cNvGrpSpPr/>
+        <p:nvPr/>
+      </p:nvGrpSpPr>
+      <p:grpSpPr/>
+      <p:sp>
+        <p:nvSpPr>
+          <p:cNvPr id="2" name="Title 1"/>
+          <p:cNvSpPr>
+            <a:spLocks noGrp="1"/>
+          </p:cNvSpPr>
+          <p:nvPr>
+            <p:ph type="title"/>
+          </p:nvPr>
+        </p:nvSpPr>
+        <p:spPr/>
+        <p:txBody>
+          <a:bodyPr/>
+          <a:lstStyle/>
+          <a:p>
+            <a:r>
+              <a:t>12: Perguntas?</a:t>
+            </a:r>
+          </a:p>
+        </p:txBody>
+      </p:sp>
+      <p:sp>
+        <p:nvSpPr>
+          <p:cNvPr id="3" name="Content Placeholder 2"/>
+          <p:cNvSpPr>
+            <a:spLocks noGrp="1"/>
+          </p:cNvSpPr>
+          <p:nvPr>
+            <p:ph idx="1"/>
+          </p:nvPr>
+        </p:nvSpPr>
+        <p:spPr/>
+        <p:txBody>
+          <a:bodyPr/>
+          <a:lstStyle/>
+          <a:p>
+            <a:r>
+              <a:t>Abertura para perguntas e discussão.</a:t>
+            </a:r>
+          </a:p>
+        </p:txBody>
+      </p:sp>
+      <p:pic>
+        <p:nvPicPr>
+          <p:cNvPr id="4" name="Picture 3" descr="imagem_url12.jpeg"/>
+          <p:cNvPicPr>
+            <a:picLocks noChangeAspect="1"/>
+          </p:cNvPicPr>
+          <p:nvPr/>
+        </p:nvPicPr>
+        <p:blipFill>
+          <a:blip r:embed="rId2"/>
+          <a:stretch>
+            <a:fillRect/>
+          </a:stretch>
+        </p:blipFill>
+        <p:spPr>
+          <a:xfrm>
+            <a:off x="2743200" y="4114800"/>
+            <a:ext cx="3810000" cy="2540000"/>
+          </a:xfrm>
+          <a:prstGeom prst="rect">
+            <a:avLst/>
+          </a:prstGeom>
+        </p:spPr>
+      </p:pic>
+    </p:spTree>
+  </p:cSld>
+  <p:clrMapOvr>
+    <a:masterClrMapping/>
+  </p:clrMapOvr>
+</p:sld>
+</file>
+
+<file path=ppt/slides/slide2.xml><?xml version="1.0" encoding="utf-8"?>
+<p:sld xmlns:a="http://schemas.openxmlformats.org/drawingml/2006/main" xmlns:p="http://schemas.openxmlformats.org/presentationml/2006/main" xmlns:r="http://schemas.openxmlformats.org/officeDocument/2006/relationships">
+  <p:cSld>
+    <p:spTree>
+      <p:nvGrpSpPr>
+        <p:cNvPr id="1" name=""/>
+        <p:cNvGrpSpPr/>
+        <p:nvPr/>
+      </p:nvGrpSpPr>
+      <p:grpSpPr/>
+      <p:sp>
+        <p:nvSpPr>
+          <p:cNvPr id="2" name="Title 1"/>
+          <p:cNvSpPr>
+            <a:spLocks noGrp="1"/>
+          </p:cNvSpPr>
+          <p:nvPr>
+            <p:ph type="title"/>
+          </p:nvPr>
+        </p:nvSpPr>
+        <p:spPr/>
+        <p:txBody>
+          <a:bodyPr/>
+          <a:lstStyle/>
+          <a:p>
+            <a:r>
+              <a:t>1: O que é um Compilador?</a:t>
+            </a:r>
+          </a:p>
+        </p:txBody>
+      </p:sp>
+      <p:sp>
+        <p:nvSpPr>
+          <p:cNvPr id="3" name="Content Placeholder 2"/>
+          <p:cNvSpPr>
+            <a:spLocks noGrp="1"/>
+          </p:cNvSpPr>
+          <p:nvPr>
+            <p:ph idx="1"/>
+          </p:nvPr>
+        </p:nvSpPr>
+        <p:spPr/>
+        <p:txBody>
+          <a:bodyPr/>
+          <a:lstStyle/>
+          <a:p/>
+          <a:p>
+            <a:r>
+              <a:t>Definição de Compilador</a:t>
+            </a:r>
+          </a:p>
+          <a:p>
+            <a:pPr lvl="1"/>
+            <a:r>
+              <a:t>Programa que traduz código fonte de uma linguagem de programação para uma linguagem de máquina.</a:t>
+            </a:r>
+          </a:p>
+          <a:p>
+            <a:r>
+              <a:t>Importância dos Compiladores</a:t>
+            </a:r>
+          </a:p>
+          <a:p>
+            <a:pPr lvl="1"/>
+            <a:r>
+              <a:t>Facilita a execução de programas em diferentes plataformas.</a:t>
+            </a:r>
+          </a:p>
+        </p:txBody>
+      </p:sp>
+    </p:spTree>
+  </p:cSld>
+  <p:clrMapOvr>
+    <a:masterClrMapping/>
+  </p:clrMapOvr>
+</p:sld>
+</file>
+
+<file path=ppt/slides/slide3.xml><?xml version="1.0" encoding="utf-8"?>
+<p:sld xmlns:a="http://schemas.openxmlformats.org/drawingml/2006/main" xmlns:p="http://schemas.openxmlformats.org/presentationml/2006/main" xmlns:r="http://schemas.openxmlformats.org/officeDocument/2006/relationships">
+  <p:cSld>
+    <p:spTree>
+      <p:nvGrpSpPr>
+        <p:cNvPr id="1" name=""/>
+        <p:cNvGrpSpPr/>
+        <p:nvPr/>
+      </p:nvGrpSpPr>
+      <p:grpSpPr/>
+      <p:sp>
+        <p:nvSpPr>
+          <p:cNvPr id="2" name="Title 1"/>
+          <p:cNvSpPr>
+            <a:spLocks noGrp="1"/>
+          </p:cNvSpPr>
+          <p:nvPr>
+            <p:ph type="title"/>
+          </p:nvPr>
+        </p:nvSpPr>
+        <p:spPr/>
+        <p:txBody>
+          <a:bodyPr/>
+          <a:lstStyle/>
+          <a:p>
+            <a:r>
+              <a:t>2: Etapas da Compilação</a:t>
+            </a:r>
+          </a:p>
+        </p:txBody>
+      </p:sp>
+      <p:sp>
+        <p:nvSpPr>
+          <p:cNvPr id="3" name="Content Placeholder 2"/>
+          <p:cNvSpPr>
+            <a:spLocks noGrp="1"/>
+          </p:cNvSpPr>
+          <p:nvPr>
+            <p:ph idx="1"/>
+          </p:nvPr>
+        </p:nvSpPr>
+        <p:spPr/>
+        <p:txBody>
+          <a:bodyPr/>
+          <a:lstStyle/>
+          <a:p>
+            <a:r>
+              <a:t>Análise Léxica</a:t>
+            </a:r>
+          </a:p>
+          <a:p>
+            <a:pPr lvl="1"/>
+            <a:r>
+              <a:t>Tokenização do código fonte.</a:t>
+            </a:r>
+          </a:p>
+          <a:p>
+            <a:r>
+              <a:t>Análise Sintática</a:t>
+            </a:r>
+          </a:p>
+          <a:p>
+            <a:pPr lvl="1"/>
+            <a:r>
+              <a:t>Construção da árvore sintática.</a:t>
+            </a:r>
+          </a:p>
+          <a:p>
+            <a:r>
+              <a:t>Análise Semântica</a:t>
+            </a:r>
+          </a:p>
+          <a:p>
+            <a:pPr lvl="1"/>
+            <a:r>
+              <a:t>Verificação de tipos e contextos.</a:t>
+            </a:r>
+          </a:p>
+        </p:txBody>
+      </p:sp>
+    </p:spTree>
+  </p:cSld>
+  <p:clrMapOvr>
+    <a:masterClrMapping/>
+  </p:clrMapOvr>
+</p:sld>
+</file>
+
 <file path=ppt/slides/slide4.xml><?xml version="1.0" encoding="utf-8"?>
 <p:sld xmlns:a="http://schemas.openxmlformats.org/drawingml/2006/main" xmlns:p="http://schemas.openxmlformats.org/presentationml/2006/main" xmlns:r="http://schemas.openxmlformats.org/officeDocument/2006/relationships">
   <p:cSld>
@@ -3359,7 +3782,7 @@
           <a:lstStyle/>
           <a:p>
             <a:r>
-              <a:t>3: Benefícios e Desafios da Inteligência Artificial</a:t>
+              <a:t>2: Etapas da Compilação</a:t>
             </a:r>
           </a:p>
         </p:txBody>
@@ -3380,48 +3803,35 @@
           <a:lstStyle/>
           <a:p>
             <a:r>
-              <a:t>Listagem dos principais benefícios da IA:</a:t>
+              <a:t>Otimização</a:t>
             </a:r>
           </a:p>
           <a:p>
             <a:pPr lvl="1"/>
             <a:r>
-              <a:t>Automação de tarefas</a:t>
+              <a:t>Melhoria do desempenho do código.</a:t>
+            </a:r>
+          </a:p>
+          <a:p>
+            <a:r>
+              <a:t>Geração de Código</a:t>
             </a:r>
           </a:p>
           <a:p>
             <a:pPr lvl="1"/>
             <a:r>
-              <a:t>Melhoria da eficiência</a:t>
+              <a:t>Produção de código de máquina.</a:t>
+            </a:r>
+          </a:p>
+          <a:p>
+            <a:r>
+              <a:t>Linkagem</a:t>
             </a:r>
           </a:p>
           <a:p>
             <a:pPr lvl="1"/>
             <a:r>
-              <a:t>Previsões precisas</a:t>
-            </a:r>
-          </a:p>
-          <a:p>
-            <a:r>
-              <a:t>Destaque para os desafios:</a:t>
-            </a:r>
-          </a:p>
-          <a:p>
-            <a:pPr lvl="1"/>
-            <a:r>
-              <a:t>Privacidade</a:t>
-            </a:r>
-          </a:p>
-          <a:p>
-            <a:pPr lvl="1"/>
-            <a:r>
-              <a:t>Ética</a:t>
-            </a:r>
-          </a:p>
-          <a:p>
-            <a:pPr lvl="1"/>
-            <a:r>
-              <a:t>Impactos no mercado de trabalho</a:t>
+              <a:t>Combinação de diferentes módulos.</a:t>
             </a:r>
           </a:p>
         </p:txBody>
@@ -3460,7 +3870,7 @@
           <a:lstStyle/>
           <a:p>
             <a:r>
-              <a:t>4: Futuro da Inteligência Artificial</a:t>
+              <a:t>3: Análise Léxica</a:t>
             </a:r>
           </a:p>
         </p:txBody>
@@ -3481,25 +3891,24 @@
           <a:lstStyle/>
           <a:p>
             <a:r>
-              <a:t>Perspectivas para o futuro da IA:</a:t>
+              <a:t>Definição</a:t>
             </a:r>
           </a:p>
           <a:p>
             <a:pPr lvl="1"/>
             <a:r>
-              <a:t>Avanços tecnológicos</a:t>
+              <a:t>Converte a sequência de caracteres em tokens.</a:t>
+            </a:r>
+          </a:p>
+          <a:p>
+            <a:r>
+              <a:t>Ferramentas Comuns</a:t>
             </a:r>
           </a:p>
           <a:p>
             <a:pPr lvl="1"/>
             <a:r>
-              <a:t>Aplicações em áreas diversas</a:t>
-            </a:r>
-          </a:p>
-          <a:p>
-            <a:pPr lvl="1"/>
-            <a:r>
-              <a:t>Impacto na sociedade e economia</a:t>
+              <a:t>Lex, Flex.</a:t>
             </a:r>
           </a:p>
         </p:txBody>
@@ -3538,7 +3947,7 @@
           <a:lstStyle/>
           <a:p>
             <a:r>
-              <a:t>5: Conclusão</a:t>
+              <a:t>4: Análise Sintática</a:t>
             </a:r>
           </a:p>
         </p:txBody>
@@ -3559,17 +3968,279 @@
           <a:lstStyle/>
           <a:p>
             <a:r>
-              <a:t>Recapitulação dos pontos-chave abordados</a:t>
-            </a:r>
-          </a:p>
-          <a:p>
-            <a:r>
-              <a:t>Ênfase na importância e impacto da IA em nosso cotidiano</a:t>
-            </a:r>
-          </a:p>
-          <a:p>
-            <a:r>
-              <a:t>Convite para perguntas e discussões sobre o tema</a:t>
+              <a:t>Definição</a:t>
+            </a:r>
+          </a:p>
+          <a:p>
+            <a:pPr lvl="1"/>
+            <a:r>
+              <a:t>Análise da estrutura gramatical dos tokens.</a:t>
+            </a:r>
+          </a:p>
+          <a:p>
+            <a:r>
+              <a:t>Exemplos de Algoritmos</a:t>
+            </a:r>
+          </a:p>
+          <a:p>
+            <a:pPr lvl="1"/>
+            <a:r>
+              <a:t>Análise Ascendente (Shift-Reduce), Análise Descendente (Recursiva).</a:t>
+            </a:r>
+          </a:p>
+        </p:txBody>
+      </p:sp>
+    </p:spTree>
+  </p:cSld>
+  <p:clrMapOvr>
+    <a:masterClrMapping/>
+  </p:clrMapOvr>
+</p:sld>
+</file>
+
+<file path=ppt/slides/slide7.xml><?xml version="1.0" encoding="utf-8"?>
+<p:sld xmlns:a="http://schemas.openxmlformats.org/drawingml/2006/main" xmlns:p="http://schemas.openxmlformats.org/presentationml/2006/main" xmlns:r="http://schemas.openxmlformats.org/officeDocument/2006/relationships">
+  <p:cSld>
+    <p:spTree>
+      <p:nvGrpSpPr>
+        <p:cNvPr id="1" name=""/>
+        <p:cNvGrpSpPr/>
+        <p:nvPr/>
+      </p:nvGrpSpPr>
+      <p:grpSpPr/>
+      <p:sp>
+        <p:nvSpPr>
+          <p:cNvPr id="2" name="Title 1"/>
+          <p:cNvSpPr>
+            <a:spLocks noGrp="1"/>
+          </p:cNvSpPr>
+          <p:nvPr>
+            <p:ph type="title"/>
+          </p:nvPr>
+        </p:nvSpPr>
+        <p:spPr/>
+        <p:txBody>
+          <a:bodyPr/>
+          <a:lstStyle/>
+          <a:p>
+            <a:r>
+              <a:t>5: Análise Semântica</a:t>
+            </a:r>
+          </a:p>
+        </p:txBody>
+      </p:sp>
+      <p:sp>
+        <p:nvSpPr>
+          <p:cNvPr id="3" name="Content Placeholder 2"/>
+          <p:cNvSpPr>
+            <a:spLocks noGrp="1"/>
+          </p:cNvSpPr>
+          <p:nvPr>
+            <p:ph idx="1"/>
+          </p:nvPr>
+        </p:nvSpPr>
+        <p:spPr/>
+        <p:txBody>
+          <a:bodyPr/>
+          <a:lstStyle/>
+          <a:p>
+            <a:r>
+              <a:t>Definição</a:t>
+            </a:r>
+          </a:p>
+          <a:p>
+            <a:pPr lvl="1"/>
+            <a:r>
+              <a:t>Verificação de significados e contextos.</a:t>
+            </a:r>
+          </a:p>
+          <a:p>
+            <a:r>
+              <a:t>Tabelas de Símbolos</a:t>
+            </a:r>
+          </a:p>
+          <a:p>
+            <a:pPr lvl="1"/>
+            <a:r>
+              <a:t>Armazenamento de informações sobre variáveis e funções.</a:t>
+            </a:r>
+          </a:p>
+        </p:txBody>
+      </p:sp>
+    </p:spTree>
+  </p:cSld>
+  <p:clrMapOvr>
+    <a:masterClrMapping/>
+  </p:clrMapOvr>
+</p:sld>
+</file>
+
+<file path=ppt/slides/slide8.xml><?xml version="1.0" encoding="utf-8"?>
+<p:sld xmlns:a="http://schemas.openxmlformats.org/drawingml/2006/main" xmlns:p="http://schemas.openxmlformats.org/presentationml/2006/main" xmlns:r="http://schemas.openxmlformats.org/officeDocument/2006/relationships">
+  <p:cSld>
+    <p:spTree>
+      <p:nvGrpSpPr>
+        <p:cNvPr id="1" name=""/>
+        <p:cNvGrpSpPr/>
+        <p:nvPr/>
+      </p:nvGrpSpPr>
+      <p:grpSpPr/>
+      <p:sp>
+        <p:nvSpPr>
+          <p:cNvPr id="2" name="Title 1"/>
+          <p:cNvSpPr>
+            <a:spLocks noGrp="1"/>
+          </p:cNvSpPr>
+          <p:nvPr>
+            <p:ph type="title"/>
+          </p:nvPr>
+        </p:nvSpPr>
+        <p:spPr/>
+        <p:txBody>
+          <a:bodyPr/>
+          <a:lstStyle/>
+          <a:p>
+            <a:r>
+              <a:t>6: Otimização de Código</a:t>
+            </a:r>
+          </a:p>
+        </p:txBody>
+      </p:sp>
+      <p:sp>
+        <p:nvSpPr>
+          <p:cNvPr id="3" name="Content Placeholder 2"/>
+          <p:cNvSpPr>
+            <a:spLocks noGrp="1"/>
+          </p:cNvSpPr>
+          <p:nvPr>
+            <p:ph idx="1"/>
+          </p:nvPr>
+        </p:nvSpPr>
+        <p:spPr/>
+        <p:txBody>
+          <a:bodyPr/>
+          <a:lstStyle/>
+          <a:p>
+            <a:r>
+              <a:t>Definição</a:t>
+            </a:r>
+          </a:p>
+          <a:p>
+            <a:pPr lvl="1"/>
+            <a:r>
+              <a:t>Melhoria do código gerado para melhor desempenho.</a:t>
+            </a:r>
+          </a:p>
+          <a:p>
+            <a:r>
+              <a:t>Tipos de Otimização</a:t>
+            </a:r>
+          </a:p>
+          <a:p>
+            <a:pPr lvl="1"/>
+            <a:r>
+              <a:t>Local, Global, Loop Optimization.</a:t>
+            </a:r>
+          </a:p>
+        </p:txBody>
+      </p:sp>
+      <p:pic>
+        <p:nvPicPr>
+          <p:cNvPr id="4" name="Picture 3" descr="imagem_url6.jpeg"/>
+          <p:cNvPicPr>
+            <a:picLocks noChangeAspect="1"/>
+          </p:cNvPicPr>
+          <p:nvPr/>
+        </p:nvPicPr>
+        <p:blipFill>
+          <a:blip r:embed="rId2"/>
+          <a:stretch>
+            <a:fillRect/>
+          </a:stretch>
+        </p:blipFill>
+        <p:spPr>
+          <a:xfrm>
+            <a:off x="2743200" y="4114800"/>
+            <a:ext cx="3810000" cy="2540000"/>
+          </a:xfrm>
+          <a:prstGeom prst="rect">
+            <a:avLst/>
+          </a:prstGeom>
+        </p:spPr>
+      </p:pic>
+    </p:spTree>
+  </p:cSld>
+  <p:clrMapOvr>
+    <a:masterClrMapping/>
+  </p:clrMapOvr>
+</p:sld>
+</file>
+
+<file path=ppt/slides/slide9.xml><?xml version="1.0" encoding="utf-8"?>
+<p:sld xmlns:a="http://schemas.openxmlformats.org/drawingml/2006/main" xmlns:p="http://schemas.openxmlformats.org/presentationml/2006/main" xmlns:r="http://schemas.openxmlformats.org/officeDocument/2006/relationships">
+  <p:cSld>
+    <p:spTree>
+      <p:nvGrpSpPr>
+        <p:cNvPr id="1" name=""/>
+        <p:cNvGrpSpPr/>
+        <p:nvPr/>
+      </p:nvGrpSpPr>
+      <p:grpSpPr/>
+      <p:sp>
+        <p:nvSpPr>
+          <p:cNvPr id="2" name="Title 1"/>
+          <p:cNvSpPr>
+            <a:spLocks noGrp="1"/>
+          </p:cNvSpPr>
+          <p:nvPr>
+            <p:ph type="title"/>
+          </p:nvPr>
+        </p:nvSpPr>
+        <p:spPr/>
+        <p:txBody>
+          <a:bodyPr/>
+          <a:lstStyle/>
+          <a:p>
+            <a:r>
+              <a:t>7: Geração de Código</a:t>
+            </a:r>
+          </a:p>
+        </p:txBody>
+      </p:sp>
+      <p:sp>
+        <p:nvSpPr>
+          <p:cNvPr id="3" name="Content Placeholder 2"/>
+          <p:cNvSpPr>
+            <a:spLocks noGrp="1"/>
+          </p:cNvSpPr>
+          <p:nvPr>
+            <p:ph idx="1"/>
+          </p:nvPr>
+        </p:nvSpPr>
+        <p:spPr/>
+        <p:txBody>
+          <a:bodyPr/>
+          <a:lstStyle/>
+          <a:p>
+            <a:r>
+              <a:t>Definição</a:t>
+            </a:r>
+          </a:p>
+          <a:p>
+            <a:pPr lvl="1"/>
+            <a:r>
+              <a:t>Conversão de código intermediário para código de máquina.</a:t>
+            </a:r>
+          </a:p>
+          <a:p>
+            <a:r>
+              <a:t>Exemplos de Técnicas</a:t>
+            </a:r>
+          </a:p>
+          <a:p>
+            <a:pPr lvl="1"/>
+            <a:r>
+              <a:t>Seleção de instruções, Alocação de registradores.</a:t>
             </a:r>
           </a:p>
         </p:txBody>
